--- a/images/figures.pptx
+++ b/images/figures.pptx
@@ -259,7 +259,7 @@
           <a:p>
             <a:fld id="{37617BFB-4A94-4182-B20D-3530F60F32F8}" type="datetimeFigureOut">
               <a:rPr lang="zh-CN" altLang="en-US" smtClean="0"/>
-              <a:t>2023/2/5</a:t>
+              <a:t>2023/2/6</a:t>
             </a:fld>
             <a:endParaRPr lang="zh-CN" altLang="en-US"/>
           </a:p>
@@ -457,7 +457,7 @@
           <a:p>
             <a:fld id="{37617BFB-4A94-4182-B20D-3530F60F32F8}" type="datetimeFigureOut">
               <a:rPr lang="zh-CN" altLang="en-US" smtClean="0"/>
-              <a:t>2023/2/5</a:t>
+              <a:t>2023/2/6</a:t>
             </a:fld>
             <a:endParaRPr lang="zh-CN" altLang="en-US"/>
           </a:p>
@@ -665,7 +665,7 @@
           <a:p>
             <a:fld id="{37617BFB-4A94-4182-B20D-3530F60F32F8}" type="datetimeFigureOut">
               <a:rPr lang="zh-CN" altLang="en-US" smtClean="0"/>
-              <a:t>2023/2/5</a:t>
+              <a:t>2023/2/6</a:t>
             </a:fld>
             <a:endParaRPr lang="zh-CN" altLang="en-US"/>
           </a:p>
@@ -863,7 +863,7 @@
           <a:p>
             <a:fld id="{37617BFB-4A94-4182-B20D-3530F60F32F8}" type="datetimeFigureOut">
               <a:rPr lang="zh-CN" altLang="en-US" smtClean="0"/>
-              <a:t>2023/2/5</a:t>
+              <a:t>2023/2/6</a:t>
             </a:fld>
             <a:endParaRPr lang="zh-CN" altLang="en-US"/>
           </a:p>
@@ -1138,7 +1138,7 @@
           <a:p>
             <a:fld id="{37617BFB-4A94-4182-B20D-3530F60F32F8}" type="datetimeFigureOut">
               <a:rPr lang="zh-CN" altLang="en-US" smtClean="0"/>
-              <a:t>2023/2/5</a:t>
+              <a:t>2023/2/6</a:t>
             </a:fld>
             <a:endParaRPr lang="zh-CN" altLang="en-US"/>
           </a:p>
@@ -1403,7 +1403,7 @@
           <a:p>
             <a:fld id="{37617BFB-4A94-4182-B20D-3530F60F32F8}" type="datetimeFigureOut">
               <a:rPr lang="zh-CN" altLang="en-US" smtClean="0"/>
-              <a:t>2023/2/5</a:t>
+              <a:t>2023/2/6</a:t>
             </a:fld>
             <a:endParaRPr lang="zh-CN" altLang="en-US"/>
           </a:p>
@@ -1815,7 +1815,7 @@
           <a:p>
             <a:fld id="{37617BFB-4A94-4182-B20D-3530F60F32F8}" type="datetimeFigureOut">
               <a:rPr lang="zh-CN" altLang="en-US" smtClean="0"/>
-              <a:t>2023/2/5</a:t>
+              <a:t>2023/2/6</a:t>
             </a:fld>
             <a:endParaRPr lang="zh-CN" altLang="en-US"/>
           </a:p>
@@ -1956,7 +1956,7 @@
           <a:p>
             <a:fld id="{37617BFB-4A94-4182-B20D-3530F60F32F8}" type="datetimeFigureOut">
               <a:rPr lang="zh-CN" altLang="en-US" smtClean="0"/>
-              <a:t>2023/2/5</a:t>
+              <a:t>2023/2/6</a:t>
             </a:fld>
             <a:endParaRPr lang="zh-CN" altLang="en-US"/>
           </a:p>
@@ -2069,7 +2069,7 @@
           <a:p>
             <a:fld id="{37617BFB-4A94-4182-B20D-3530F60F32F8}" type="datetimeFigureOut">
               <a:rPr lang="zh-CN" altLang="en-US" smtClean="0"/>
-              <a:t>2023/2/5</a:t>
+              <a:t>2023/2/6</a:t>
             </a:fld>
             <a:endParaRPr lang="zh-CN" altLang="en-US"/>
           </a:p>
@@ -2380,7 +2380,7 @@
           <a:p>
             <a:fld id="{37617BFB-4A94-4182-B20D-3530F60F32F8}" type="datetimeFigureOut">
               <a:rPr lang="zh-CN" altLang="en-US" smtClean="0"/>
-              <a:t>2023/2/5</a:t>
+              <a:t>2023/2/6</a:t>
             </a:fld>
             <a:endParaRPr lang="zh-CN" altLang="en-US"/>
           </a:p>
@@ -2668,7 +2668,7 @@
           <a:p>
             <a:fld id="{37617BFB-4A94-4182-B20D-3530F60F32F8}" type="datetimeFigureOut">
               <a:rPr lang="zh-CN" altLang="en-US" smtClean="0"/>
-              <a:t>2023/2/5</a:t>
+              <a:t>2023/2/6</a:t>
             </a:fld>
             <a:endParaRPr lang="zh-CN" altLang="en-US"/>
           </a:p>
@@ -2909,7 +2909,7 @@
           <a:p>
             <a:fld id="{37617BFB-4A94-4182-B20D-3530F60F32F8}" type="datetimeFigureOut">
               <a:rPr lang="zh-CN" altLang="en-US" smtClean="0"/>
-              <a:t>2023/2/5</a:t>
+              <a:t>2023/2/6</a:t>
             </a:fld>
             <a:endParaRPr lang="zh-CN" altLang="en-US"/>
           </a:p>
@@ -3348,7 +3348,7 @@
         </p:blipFill>
         <p:spPr>
           <a:xfrm>
-            <a:off x="1388336" y="378278"/>
+            <a:off x="954450" y="3836825"/>
             <a:ext cx="9669328" cy="4007109"/>
           </a:xfrm>
           <a:prstGeom prst="rect">
